--- a/AI Presentation.pptx
+++ b/AI Presentation.pptx
@@ -22,22 +22,22 @@
   <p:notesSz cx="6858000" cy="9144000"/>
   <p:embeddedFontLst>
     <p:embeddedFont>
+      <p:font typeface="Calibri" panose="020F0502020204030204" pitchFamily="34" charset="0"/>
+      <p:regular r:id="rId14"/>
+      <p:bold r:id="rId15"/>
+      <p:italic r:id="rId16"/>
+      <p:boldItalic r:id="rId17"/>
+    </p:embeddedFont>
+    <p:embeddedFont>
+      <p:font typeface="Canva Sans" panose="020B0604020202020204" charset="0"/>
+      <p:regular r:id="rId18"/>
+    </p:embeddedFont>
+    <p:embeddedFont>
       <p:font typeface="Codec Pro Bold" panose="020B0604020202020204" charset="0"/>
-      <p:regular r:id="rId14"/>
+      <p:regular r:id="rId19"/>
     </p:embeddedFont>
     <p:embeddedFont>
       <p:font typeface="Codec Pro" panose="020B0604020202020204" charset="0"/>
-      <p:regular r:id="rId15"/>
-    </p:embeddedFont>
-    <p:embeddedFont>
-      <p:font typeface="Calibri" panose="020F0502020204030204" pitchFamily="34" charset="0"/>
-      <p:regular r:id="rId16"/>
-      <p:bold r:id="rId17"/>
-      <p:italic r:id="rId18"/>
-      <p:boldItalic r:id="rId19"/>
-    </p:embeddedFont>
-    <p:embeddedFont>
-      <p:font typeface="Canva Sans" panose="020B0604020202020204" charset="0"/>
       <p:regular r:id="rId20"/>
     </p:embeddedFont>
   </p:embeddedFontLst>
@@ -337,7 +337,7 @@
             <a:fld id="{1D8BD707-D9CF-40AE-B4C6-C98DA3205C09}" type="datetimeFigureOut">
               <a:rPr lang="en-US" smtClean="0"/>
               <a:pPr/>
-              <a:t>5/15/2024</a:t>
+              <a:t>5/23/2024</a:t>
             </a:fld>
             <a:endParaRPr lang="en-US"/>
           </a:p>
@@ -504,7 +504,7 @@
             <a:fld id="{1D8BD707-D9CF-40AE-B4C6-C98DA3205C09}" type="datetimeFigureOut">
               <a:rPr lang="en-US" smtClean="0"/>
               <a:pPr/>
-              <a:t>5/15/2024</a:t>
+              <a:t>5/23/2024</a:t>
             </a:fld>
             <a:endParaRPr lang="en-US"/>
           </a:p>
@@ -681,7 +681,7 @@
             <a:fld id="{1D8BD707-D9CF-40AE-B4C6-C98DA3205C09}" type="datetimeFigureOut">
               <a:rPr lang="en-US" smtClean="0"/>
               <a:pPr/>
-              <a:t>5/15/2024</a:t>
+              <a:t>5/23/2024</a:t>
             </a:fld>
             <a:endParaRPr lang="en-US"/>
           </a:p>
@@ -848,7 +848,7 @@
             <a:fld id="{1D8BD707-D9CF-40AE-B4C6-C98DA3205C09}" type="datetimeFigureOut">
               <a:rPr lang="en-US" smtClean="0"/>
               <a:pPr/>
-              <a:t>5/15/2024</a:t>
+              <a:t>5/23/2024</a:t>
             </a:fld>
             <a:endParaRPr lang="en-US"/>
           </a:p>
@@ -1091,7 +1091,7 @@
             <a:fld id="{1D8BD707-D9CF-40AE-B4C6-C98DA3205C09}" type="datetimeFigureOut">
               <a:rPr lang="en-US" smtClean="0"/>
               <a:pPr/>
-              <a:t>5/15/2024</a:t>
+              <a:t>5/23/2024</a:t>
             </a:fld>
             <a:endParaRPr lang="en-US"/>
           </a:p>
@@ -1376,7 +1376,7 @@
             <a:fld id="{1D8BD707-D9CF-40AE-B4C6-C98DA3205C09}" type="datetimeFigureOut">
               <a:rPr lang="en-US" smtClean="0"/>
               <a:pPr/>
-              <a:t>5/15/2024</a:t>
+              <a:t>5/23/2024</a:t>
             </a:fld>
             <a:endParaRPr lang="en-US"/>
           </a:p>
@@ -1795,7 +1795,7 @@
             <a:fld id="{1D8BD707-D9CF-40AE-B4C6-C98DA3205C09}" type="datetimeFigureOut">
               <a:rPr lang="en-US" smtClean="0"/>
               <a:pPr/>
-              <a:t>5/15/2024</a:t>
+              <a:t>5/23/2024</a:t>
             </a:fld>
             <a:endParaRPr lang="en-US"/>
           </a:p>
@@ -1910,7 +1910,7 @@
             <a:fld id="{1D8BD707-D9CF-40AE-B4C6-C98DA3205C09}" type="datetimeFigureOut">
               <a:rPr lang="en-US" smtClean="0"/>
               <a:pPr/>
-              <a:t>5/15/2024</a:t>
+              <a:t>5/23/2024</a:t>
             </a:fld>
             <a:endParaRPr lang="en-US"/>
           </a:p>
@@ -2002,7 +2002,7 @@
             <a:fld id="{1D8BD707-D9CF-40AE-B4C6-C98DA3205C09}" type="datetimeFigureOut">
               <a:rPr lang="en-US" smtClean="0"/>
               <a:pPr/>
-              <a:t>5/15/2024</a:t>
+              <a:t>5/23/2024</a:t>
             </a:fld>
             <a:endParaRPr lang="en-US"/>
           </a:p>
@@ -2276,7 +2276,7 @@
             <a:fld id="{1D8BD707-D9CF-40AE-B4C6-C98DA3205C09}" type="datetimeFigureOut">
               <a:rPr lang="en-US" smtClean="0"/>
               <a:pPr/>
-              <a:t>5/15/2024</a:t>
+              <a:t>5/23/2024</a:t>
             </a:fld>
             <a:endParaRPr lang="en-US"/>
           </a:p>
@@ -2526,7 +2526,7 @@
             <a:fld id="{1D8BD707-D9CF-40AE-B4C6-C98DA3205C09}" type="datetimeFigureOut">
               <a:rPr lang="en-US" smtClean="0"/>
               <a:pPr/>
-              <a:t>5/15/2024</a:t>
+              <a:t>5/23/2024</a:t>
             </a:fld>
             <a:endParaRPr lang="en-US"/>
           </a:p>
@@ -2736,7 +2736,7 @@
             <a:fld id="{1D8BD707-D9CF-40AE-B4C6-C98DA3205C09}" type="datetimeFigureOut">
               <a:rPr lang="en-US" smtClean="0"/>
               <a:pPr/>
-              <a:t>5/15/2024</a:t>
+              <a:t>5/23/2024</a:t>
             </a:fld>
             <a:endParaRPr lang="en-US"/>
           </a:p>
@@ -3158,7 +3158,7 @@
               <a:alphaModFix amt="46000"/>
               <a:extLst>
                 <a:ext uri="{96DAC541-7B7A-43D3-8B79-37D633B846F1}">
-                  <asvg:svgBlip xmlns:asvg="http://schemas.microsoft.com/office/drawing/2016/SVG/main" xmlns="" r:embed="rId3"/>
+                  <asvg:svgBlip xmlns="" xmlns:asvg="http://schemas.microsoft.com/office/drawing/2016/SVG/main" r:embed="rId3"/>
                 </a:ext>
               </a:extLst>
             </a:blip>
@@ -3210,7 +3210,7 @@
             <a:blip r:embed="rId4">
               <a:extLst>
                 <a:ext uri="{96DAC541-7B7A-43D3-8B79-37D633B846F1}">
-                  <asvg:svgBlip xmlns:asvg="http://schemas.microsoft.com/office/drawing/2016/SVG/main" xmlns="" r:embed="rId5"/>
+                  <asvg:svgBlip xmlns="" xmlns:asvg="http://schemas.microsoft.com/office/drawing/2016/SVG/main" r:embed="rId5"/>
                 </a:ext>
               </a:extLst>
             </a:blip>
@@ -3316,6 +3316,13 @@
   <p:clrMapOvr>
     <a:masterClrMapping/>
   </p:clrMapOvr>
+  <p:timing>
+    <p:tnLst>
+      <p:par>
+        <p:cTn id="1" dur="indefinite" restart="never" nodeType="tmRoot"/>
+      </p:par>
+    </p:tnLst>
+  </p:timing>
 </p:sld>
 </file>
 
@@ -3574,15 +3581,15 @@
         </p:nvSpPr>
         <p:spPr>
           <a:xfrm>
-            <a:off x="2084257" y="5114925"/>
-            <a:ext cx="1012031" cy="257174"/>
+            <a:off x="2084257" y="5114924"/>
+            <a:ext cx="1179091" cy="269304"/>
           </a:xfrm>
           <a:prstGeom prst="rect">
             <a:avLst/>
           </a:prstGeom>
         </p:spPr>
         <p:txBody>
-          <a:bodyPr lIns="0" tIns="0" rIns="0" bIns="0" rtlCol="0" anchor="t">
+          <a:bodyPr wrap="square" lIns="0" tIns="0" rIns="0" bIns="0" rtlCol="0" anchor="t">
             <a:spAutoFit/>
           </a:bodyPr>
           <a:lstStyle/>
@@ -3593,7 +3600,7 @@
               </a:lnSpc>
             </a:pPr>
             <a:r>
-              <a:rPr lang="en-US" sz="1500">
+              <a:rPr lang="en-US" sz="1500" dirty="0">
                 <a:solidFill>
                   <a:srgbClr val="FFFFFF"/>
                 </a:solidFill>
@@ -3927,6 +3934,13 @@
   <p:clrMapOvr>
     <a:masterClrMapping/>
   </p:clrMapOvr>
+  <p:timing>
+    <p:tnLst>
+      <p:par>
+        <p:cTn id="1" dur="indefinite" restart="never" nodeType="tmRoot"/>
+      </p:par>
+    </p:tnLst>
+  </p:timing>
 </p:sld>
 </file>
 
@@ -4515,6 +4529,13 @@
   <p:clrMapOvr>
     <a:masterClrMapping/>
   </p:clrMapOvr>
+  <p:timing>
+    <p:tnLst>
+      <p:par>
+        <p:cTn id="1" dur="indefinite" restart="never" nodeType="tmRoot"/>
+      </p:par>
+    </p:tnLst>
+  </p:timing>
 </p:sld>
 </file>
 
@@ -4624,7 +4645,7 @@
               <a:alphaModFix amt="13000"/>
               <a:extLst>
                 <a:ext uri="{96DAC541-7B7A-43D3-8B79-37D633B846F1}">
-                  <asvg:svgBlip xmlns:asvg="http://schemas.microsoft.com/office/drawing/2016/SVG/main" xmlns="" r:embed="rId3"/>
+                  <asvg:svgBlip xmlns="" xmlns:asvg="http://schemas.microsoft.com/office/drawing/2016/SVG/main" r:embed="rId3"/>
                 </a:ext>
               </a:extLst>
             </a:blip>
@@ -4639,6 +4660,13 @@
   <p:clrMapOvr>
     <a:masterClrMapping/>
   </p:clrMapOvr>
+  <p:timing>
+    <p:tnLst>
+      <p:par>
+        <p:cTn id="1" dur="indefinite" restart="never" nodeType="tmRoot"/>
+      </p:par>
+    </p:tnLst>
+  </p:timing>
 </p:sld>
 </file>
 
@@ -4709,7 +4737,7 @@
             <a:blip r:embed="rId2">
               <a:extLst>
                 <a:ext uri="{96DAC541-7B7A-43D3-8B79-37D633B846F1}">
-                  <asvg:svgBlip xmlns:asvg="http://schemas.microsoft.com/office/drawing/2016/SVG/main" xmlns="" r:embed="rId3"/>
+                  <asvg:svgBlip xmlns="" xmlns:asvg="http://schemas.microsoft.com/office/drawing/2016/SVG/main" r:embed="rId3"/>
                 </a:ext>
               </a:extLst>
             </a:blip>
@@ -4739,14 +4767,14 @@
                 <a:gridCol w="5534131">
                   <a:extLst>
                     <a:ext uri="{9D8B030D-6E8A-4147-A177-3AD203B41FA5}">
-                      <a16:colId xmlns:a16="http://schemas.microsoft.com/office/drawing/2014/main" val="20000"/>
+                      <a16:colId xmlns:a16="http://schemas.microsoft.com/office/drawing/2014/main" xmlns="" val="20000"/>
                     </a:ext>
                   </a:extLst>
                 </a:gridCol>
                 <a:gridCol w="796674">
                   <a:extLst>
                     <a:ext uri="{9D8B030D-6E8A-4147-A177-3AD203B41FA5}">
-                      <a16:colId xmlns:a16="http://schemas.microsoft.com/office/drawing/2014/main" val="20001"/>
+                      <a16:colId xmlns:a16="http://schemas.microsoft.com/office/drawing/2014/main" xmlns="" val="20001"/>
                     </a:ext>
                   </a:extLst>
                 </a:gridCol>
@@ -4878,7 +4906,7 @@
                 </a:tc>
                 <a:extLst>
                   <a:ext uri="{0D108BD9-81ED-4DB2-BD59-A6C34878D82A}">
-                    <a16:rowId xmlns:a16="http://schemas.microsoft.com/office/drawing/2014/main" val="10000"/>
+                    <a16:rowId xmlns:a16="http://schemas.microsoft.com/office/drawing/2014/main" xmlns="" val="10000"/>
                   </a:ext>
                 </a:extLst>
               </a:tr>
@@ -5009,7 +5037,7 @@
                 </a:tc>
                 <a:extLst>
                   <a:ext uri="{0D108BD9-81ED-4DB2-BD59-A6C34878D82A}">
-                    <a16:rowId xmlns:a16="http://schemas.microsoft.com/office/drawing/2014/main" val="10001"/>
+                    <a16:rowId xmlns:a16="http://schemas.microsoft.com/office/drawing/2014/main" xmlns="" val="10001"/>
                   </a:ext>
                 </a:extLst>
               </a:tr>
@@ -5140,7 +5168,7 @@
                 </a:tc>
                 <a:extLst>
                   <a:ext uri="{0D108BD9-81ED-4DB2-BD59-A6C34878D82A}">
-                    <a16:rowId xmlns:a16="http://schemas.microsoft.com/office/drawing/2014/main" val="10002"/>
+                    <a16:rowId xmlns:a16="http://schemas.microsoft.com/office/drawing/2014/main" xmlns="" val="10002"/>
                   </a:ext>
                 </a:extLst>
               </a:tr>
@@ -5271,7 +5299,7 @@
                 </a:tc>
                 <a:extLst>
                   <a:ext uri="{0D108BD9-81ED-4DB2-BD59-A6C34878D82A}">
-                    <a16:rowId xmlns:a16="http://schemas.microsoft.com/office/drawing/2014/main" val="10003"/>
+                    <a16:rowId xmlns:a16="http://schemas.microsoft.com/office/drawing/2014/main" xmlns="" val="10003"/>
                   </a:ext>
                 </a:extLst>
               </a:tr>
@@ -5402,7 +5430,7 @@
                 </a:tc>
                 <a:extLst>
                   <a:ext uri="{0D108BD9-81ED-4DB2-BD59-A6C34878D82A}">
-                    <a16:rowId xmlns:a16="http://schemas.microsoft.com/office/drawing/2014/main" val="10004"/>
+                    <a16:rowId xmlns:a16="http://schemas.microsoft.com/office/drawing/2014/main" xmlns="" val="10004"/>
                   </a:ext>
                 </a:extLst>
               </a:tr>
@@ -5533,7 +5561,7 @@
                 </a:tc>
                 <a:extLst>
                   <a:ext uri="{0D108BD9-81ED-4DB2-BD59-A6C34878D82A}">
-                    <a16:rowId xmlns:a16="http://schemas.microsoft.com/office/drawing/2014/main" val="10005"/>
+                    <a16:rowId xmlns:a16="http://schemas.microsoft.com/office/drawing/2014/main" xmlns="" val="10005"/>
                   </a:ext>
                 </a:extLst>
               </a:tr>
@@ -5664,7 +5692,7 @@
                 </a:tc>
                 <a:extLst>
                   <a:ext uri="{0D108BD9-81ED-4DB2-BD59-A6C34878D82A}">
-                    <a16:rowId xmlns:a16="http://schemas.microsoft.com/office/drawing/2014/main" val="10006"/>
+                    <a16:rowId xmlns:a16="http://schemas.microsoft.com/office/drawing/2014/main" xmlns="" val="10006"/>
                   </a:ext>
                 </a:extLst>
               </a:tr>
@@ -5736,7 +5764,7 @@
                 <a:gridCol w="5534131">
                   <a:extLst>
                     <a:ext uri="{9D8B030D-6E8A-4147-A177-3AD203B41FA5}">
-                      <a16:colId xmlns:a16="http://schemas.microsoft.com/office/drawing/2014/main" val="20000"/>
+                      <a16:colId xmlns:a16="http://schemas.microsoft.com/office/drawing/2014/main" xmlns="" val="20000"/>
                     </a:ext>
                   </a:extLst>
                 </a:gridCol>
@@ -5806,7 +5834,7 @@
                 </a:tc>
                 <a:extLst>
                   <a:ext uri="{0D108BD9-81ED-4DB2-BD59-A6C34878D82A}">
-                    <a16:rowId xmlns:a16="http://schemas.microsoft.com/office/drawing/2014/main" val="10000"/>
+                    <a16:rowId xmlns:a16="http://schemas.microsoft.com/office/drawing/2014/main" xmlns="" val="10000"/>
                   </a:ext>
                 </a:extLst>
               </a:tr>
@@ -5840,7 +5868,7 @@
                 <a:gridCol w="796674">
                   <a:extLst>
                     <a:ext uri="{9D8B030D-6E8A-4147-A177-3AD203B41FA5}">
-                      <a16:colId xmlns:a16="http://schemas.microsoft.com/office/drawing/2014/main" val="20000"/>
+                      <a16:colId xmlns:a16="http://schemas.microsoft.com/office/drawing/2014/main" xmlns="" val="20000"/>
                     </a:ext>
                   </a:extLst>
                 </a:gridCol>
@@ -5910,7 +5938,7 @@
                 </a:tc>
                 <a:extLst>
                   <a:ext uri="{0D108BD9-81ED-4DB2-BD59-A6C34878D82A}">
-                    <a16:rowId xmlns:a16="http://schemas.microsoft.com/office/drawing/2014/main" val="10000"/>
+                    <a16:rowId xmlns:a16="http://schemas.microsoft.com/office/drawing/2014/main" xmlns="" val="10000"/>
                   </a:ext>
                 </a:extLst>
               </a:tr>
@@ -5944,7 +5972,7 @@
                 <a:gridCol w="5534131">
                   <a:extLst>
                     <a:ext uri="{9D8B030D-6E8A-4147-A177-3AD203B41FA5}">
-                      <a16:colId xmlns:a16="http://schemas.microsoft.com/office/drawing/2014/main" val="20000"/>
+                      <a16:colId xmlns:a16="http://schemas.microsoft.com/office/drawing/2014/main" xmlns="" val="20000"/>
                     </a:ext>
                   </a:extLst>
                 </a:gridCol>
@@ -6015,7 +6043,7 @@
                 </a:tc>
                 <a:extLst>
                   <a:ext uri="{0D108BD9-81ED-4DB2-BD59-A6C34878D82A}">
-                    <a16:rowId xmlns:a16="http://schemas.microsoft.com/office/drawing/2014/main" val="10000"/>
+                    <a16:rowId xmlns:a16="http://schemas.microsoft.com/office/drawing/2014/main" xmlns="" val="10000"/>
                   </a:ext>
                 </a:extLst>
               </a:tr>
@@ -6049,7 +6077,7 @@
                 <a:gridCol w="796674">
                   <a:extLst>
                     <a:ext uri="{9D8B030D-6E8A-4147-A177-3AD203B41FA5}">
-                      <a16:colId xmlns:a16="http://schemas.microsoft.com/office/drawing/2014/main" val="20000"/>
+                      <a16:colId xmlns:a16="http://schemas.microsoft.com/office/drawing/2014/main" xmlns="" val="20000"/>
                     </a:ext>
                   </a:extLst>
                 </a:gridCol>
@@ -6119,7 +6147,7 @@
                 </a:tc>
                 <a:extLst>
                   <a:ext uri="{0D108BD9-81ED-4DB2-BD59-A6C34878D82A}">
-                    <a16:rowId xmlns:a16="http://schemas.microsoft.com/office/drawing/2014/main" val="10000"/>
+                    <a16:rowId xmlns:a16="http://schemas.microsoft.com/office/drawing/2014/main" xmlns="" val="10000"/>
                   </a:ext>
                 </a:extLst>
               </a:tr>
@@ -6132,6 +6160,13 @@
   <p:clrMapOvr>
     <a:masterClrMapping/>
   </p:clrMapOvr>
+  <p:timing>
+    <p:tnLst>
+      <p:par>
+        <p:cTn id="1" dur="indefinite" restart="never" nodeType="tmRoot"/>
+      </p:par>
+    </p:tnLst>
+  </p:timing>
 </p:sld>
 </file>
 
@@ -6261,7 +6296,7 @@
               <a:alphaModFix amt="6999"/>
               <a:extLst>
                 <a:ext uri="{96DAC541-7B7A-43D3-8B79-37D633B846F1}">
-                  <asvg:svgBlip xmlns:asvg="http://schemas.microsoft.com/office/drawing/2016/SVG/main" xmlns="" r:embed="rId4"/>
+                  <asvg:svgBlip xmlns="" xmlns:asvg="http://schemas.microsoft.com/office/drawing/2016/SVG/main" r:embed="rId4"/>
                 </a:ext>
               </a:extLst>
             </a:blip>
@@ -6365,6 +6400,13 @@
   <p:clrMapOvr>
     <a:masterClrMapping/>
   </p:clrMapOvr>
+  <p:timing>
+    <p:tnLst>
+      <p:par>
+        <p:cTn id="1" dur="indefinite" restart="never" nodeType="tmRoot"/>
+      </p:par>
+    </p:tnLst>
+  </p:timing>
 </p:sld>
 </file>
 
@@ -6436,7 +6478,7 @@
               <a:alphaModFix amt="27000"/>
               <a:extLst>
                 <a:ext uri="{96DAC541-7B7A-43D3-8B79-37D633B846F1}">
-                  <asvg:svgBlip xmlns:asvg="http://schemas.microsoft.com/office/drawing/2016/SVG/main" xmlns="" r:embed="rId3"/>
+                  <asvg:svgBlip xmlns="" xmlns:asvg="http://schemas.microsoft.com/office/drawing/2016/SVG/main" r:embed="rId3"/>
                 </a:ext>
               </a:extLst>
             </a:blip>
@@ -6489,7 +6531,7 @@
               <a:alphaModFix amt="86000"/>
               <a:extLst>
                 <a:ext uri="{96DAC541-7B7A-43D3-8B79-37D633B846F1}">
-                  <asvg:svgBlip xmlns:asvg="http://schemas.microsoft.com/office/drawing/2016/SVG/main" xmlns="" r:embed="rId5"/>
+                  <asvg:svgBlip xmlns="" xmlns:asvg="http://schemas.microsoft.com/office/drawing/2016/SVG/main" r:embed="rId5"/>
                 </a:ext>
               </a:extLst>
             </a:blip>
@@ -6755,6 +6797,13 @@
   <p:clrMapOvr>
     <a:masterClrMapping/>
   </p:clrMapOvr>
+  <p:timing>
+    <p:tnLst>
+      <p:par>
+        <p:cTn id="1" dur="indefinite" restart="never" nodeType="tmRoot"/>
+      </p:par>
+    </p:tnLst>
+  </p:timing>
 </p:sld>
 </file>
 
@@ -6791,7 +6840,7 @@
         </p:nvSpPr>
         <p:spPr>
           <a:xfrm rot="211599" flipH="1">
-            <a:off x="-3494219" y="5334472"/>
+            <a:off x="-3610747" y="5720693"/>
             <a:ext cx="14024293" cy="6910152"/>
           </a:xfrm>
           <a:custGeom>
@@ -6826,7 +6875,7 @@
               <a:alphaModFix amt="43999"/>
               <a:extLst>
                 <a:ext uri="{96DAC541-7B7A-43D3-8B79-37D633B846F1}">
-                  <asvg:svgBlip xmlns:asvg="http://schemas.microsoft.com/office/drawing/2016/SVG/main" xmlns="" r:embed="rId3"/>
+                  <asvg:svgBlip xmlns="" xmlns:asvg="http://schemas.microsoft.com/office/drawing/2016/SVG/main" r:embed="rId3"/>
                 </a:ext>
               </a:extLst>
             </a:blip>
@@ -6882,15 +6931,15 @@
         </p:nvSpPr>
         <p:spPr>
           <a:xfrm>
-            <a:off x="8281435" y="3757406"/>
-            <a:ext cx="9812469" cy="4267515"/>
+            <a:off x="9906000" y="3757406"/>
+            <a:ext cx="8187904" cy="3693319"/>
           </a:xfrm>
           <a:prstGeom prst="rect">
             <a:avLst/>
           </a:prstGeom>
         </p:spPr>
         <p:txBody>
-          <a:bodyPr lIns="0" tIns="0" rIns="0" bIns="0" rtlCol="0" anchor="t">
+          <a:bodyPr wrap="square" lIns="0" tIns="0" rIns="0" bIns="0" rtlCol="0" anchor="t">
             <a:spAutoFit/>
           </a:bodyPr>
           <a:lstStyle/>
@@ -6901,7 +6950,7 @@
               </a:lnSpc>
             </a:pPr>
             <a:r>
-              <a:rPr lang="en-US" sz="2400" dirty="0">
+              <a:rPr lang="en-US" dirty="0">
                 <a:solidFill>
                   <a:srgbClr val="FFFFFF"/>
                 </a:solidFill>
@@ -6925,11 +6974,48 @@
           </a:p>
         </p:txBody>
       </p:sp>
+      <p:pic>
+        <p:nvPicPr>
+          <p:cNvPr id="5" name="Picture 4"/>
+          <p:cNvPicPr>
+            <a:picLocks noChangeAspect="1"/>
+          </p:cNvPicPr>
+          <p:nvPr/>
+        </p:nvPicPr>
+        <p:blipFill>
+          <a:blip r:embed="rId4">
+            <a:extLst>
+              <a:ext uri="{28A0092B-C50C-407E-A947-70E740481C1C}">
+                <a14:useLocalDpi xmlns:a14="http://schemas.microsoft.com/office/drawing/2010/main" val="0"/>
+              </a:ext>
+            </a:extLst>
+          </a:blip>
+          <a:stretch>
+            <a:fillRect/>
+          </a:stretch>
+        </p:blipFill>
+        <p:spPr>
+          <a:xfrm>
+            <a:off x="838200" y="3549111"/>
+            <a:ext cx="8255000" cy="6045200"/>
+          </a:xfrm>
+          <a:prstGeom prst="rect">
+            <a:avLst/>
+          </a:prstGeom>
+        </p:spPr>
+      </p:pic>
     </p:spTree>
   </p:cSld>
   <p:clrMapOvr>
     <a:masterClrMapping/>
   </p:clrMapOvr>
+  <p:timing>
+    <p:tnLst>
+      <p:par>
+        <p:cTn id="1" dur="indefinite" restart="never" nodeType="tmRoot"/>
+      </p:par>
+    </p:tnLst>
+  </p:timing>
 </p:sld>
 </file>
 
@@ -6993,7 +7079,7 @@
               <a:alphaModFix amt="6999"/>
               <a:extLst>
                 <a:ext uri="{96DAC541-7B7A-43D3-8B79-37D633B846F1}">
-                  <asvg:svgBlip xmlns:asvg="http://schemas.microsoft.com/office/drawing/2016/SVG/main" xmlns="" r:embed="rId3"/>
+                  <asvg:svgBlip xmlns="" xmlns:asvg="http://schemas.microsoft.com/office/drawing/2016/SVG/main" r:embed="rId3"/>
                 </a:ext>
               </a:extLst>
             </a:blip>
@@ -7126,7 +7212,7 @@
             <a:blip r:embed="rId5">
               <a:extLst>
                 <a:ext uri="{96DAC541-7B7A-43D3-8B79-37D633B846F1}">
-                  <asvg:svgBlip xmlns:asvg="http://schemas.microsoft.com/office/drawing/2016/SVG/main" xmlns="" r:embed="rId6"/>
+                  <asvg:svgBlip xmlns="" xmlns:asvg="http://schemas.microsoft.com/office/drawing/2016/SVG/main" r:embed="rId6"/>
                 </a:ext>
               </a:extLst>
             </a:blip>
@@ -7178,7 +7264,7 @@
             <a:blip r:embed="rId7">
               <a:extLst>
                 <a:ext uri="{96DAC541-7B7A-43D3-8B79-37D633B846F1}">
-                  <asvg:svgBlip xmlns:asvg="http://schemas.microsoft.com/office/drawing/2016/SVG/main" xmlns="" r:embed="rId8"/>
+                  <asvg:svgBlip xmlns="" xmlns:asvg="http://schemas.microsoft.com/office/drawing/2016/SVG/main" r:embed="rId8"/>
                 </a:ext>
               </a:extLst>
             </a:blip>
@@ -7374,6 +7460,13 @@
   <p:clrMapOvr>
     <a:masterClrMapping/>
   </p:clrMapOvr>
+  <p:timing>
+    <p:tnLst>
+      <p:par>
+        <p:cTn id="1" dur="indefinite" restart="never" nodeType="tmRoot"/>
+      </p:par>
+    </p:tnLst>
+  </p:timing>
 </p:sld>
 </file>
 
@@ -7496,7 +7589,7 @@
               <a:alphaModFix amt="13000"/>
               <a:extLst>
                 <a:ext uri="{96DAC541-7B7A-43D3-8B79-37D633B846F1}">
-                  <asvg:svgBlip xmlns:asvg="http://schemas.microsoft.com/office/drawing/2016/SVG/main" xmlns="" r:embed="rId3"/>
+                  <asvg:svgBlip xmlns="" xmlns:asvg="http://schemas.microsoft.com/office/drawing/2016/SVG/main" r:embed="rId3"/>
                 </a:ext>
               </a:extLst>
             </a:blip>
@@ -8099,6 +8192,13 @@
   <p:clrMapOvr>
     <a:masterClrMapping/>
   </p:clrMapOvr>
+  <p:timing>
+    <p:tnLst>
+      <p:par>
+        <p:cTn id="1" dur="indefinite" restart="never" nodeType="tmRoot"/>
+      </p:par>
+    </p:tnLst>
+  </p:timing>
 </p:sld>
 </file>
 
@@ -8162,7 +8262,7 @@
               <a:alphaModFix amt="5000"/>
               <a:extLst>
                 <a:ext uri="{96DAC541-7B7A-43D3-8B79-37D633B846F1}">
-                  <asvg:svgBlip xmlns:asvg="http://schemas.microsoft.com/office/drawing/2016/SVG/main" xmlns="" r:embed="rId3"/>
+                  <asvg:svgBlip xmlns="" xmlns:asvg="http://schemas.microsoft.com/office/drawing/2016/SVG/main" r:embed="rId3"/>
                 </a:ext>
               </a:extLst>
             </a:blip>
@@ -8215,7 +8315,7 @@
               <a:alphaModFix amt="5000"/>
               <a:extLst>
                 <a:ext uri="{96DAC541-7B7A-43D3-8B79-37D633B846F1}">
-                  <asvg:svgBlip xmlns:asvg="http://schemas.microsoft.com/office/drawing/2016/SVG/main" xmlns="" r:embed="rId3"/>
+                  <asvg:svgBlip xmlns="" xmlns:asvg="http://schemas.microsoft.com/office/drawing/2016/SVG/main" r:embed="rId3"/>
                 </a:ext>
               </a:extLst>
             </a:blip>
@@ -8378,6 +8478,13 @@
   <p:clrMapOvr>
     <a:masterClrMapping/>
   </p:clrMapOvr>
+  <p:timing>
+    <p:tnLst>
+      <p:par>
+        <p:cTn id="1" dur="indefinite" restart="never" nodeType="tmRoot"/>
+      </p:par>
+    </p:tnLst>
+  </p:timing>
 </p:sld>
 </file>
 
@@ -8500,7 +8607,7 @@
               <a:alphaModFix amt="13000"/>
               <a:extLst>
                 <a:ext uri="{96DAC541-7B7A-43D3-8B79-37D633B846F1}">
-                  <asvg:svgBlip xmlns:asvg="http://schemas.microsoft.com/office/drawing/2016/SVG/main" xmlns="" r:embed="rId3"/>
+                  <asvg:svgBlip xmlns="" xmlns:asvg="http://schemas.microsoft.com/office/drawing/2016/SVG/main" r:embed="rId3"/>
                 </a:ext>
               </a:extLst>
             </a:blip>
@@ -9292,6 +9399,13 @@
   <p:clrMapOvr>
     <a:masterClrMapping/>
   </p:clrMapOvr>
+  <p:timing>
+    <p:tnLst>
+      <p:par>
+        <p:cTn id="1" dur="indefinite" restart="never" nodeType="tmRoot"/>
+      </p:par>
+    </p:tnLst>
+  </p:timing>
 </p:sld>
 </file>
 
